--- a/202144022(KSS_Big_Data).pptx
+++ b/202144022(KSS_Big_Data).pptx
@@ -278,7 +278,7 @@
           <a:p>
             <a:fld id="{6A770E6A-2F4D-474F-8C1A-8D8D5AED6197}" type="datetimeFigureOut">
               <a:rPr lang="ko-KR" altLang="en-US" smtClean="0"/>
-              <a:t>2025-11-26</a:t>
+              <a:t>2025-12-01</a:t>
             </a:fld>
             <a:endParaRPr lang="ko-KR" altLang="en-US"/>
           </a:p>
@@ -476,7 +476,7 @@
           <a:p>
             <a:fld id="{6A770E6A-2F4D-474F-8C1A-8D8D5AED6197}" type="datetimeFigureOut">
               <a:rPr lang="ko-KR" altLang="en-US" smtClean="0"/>
-              <a:t>2025-11-26</a:t>
+              <a:t>2025-12-01</a:t>
             </a:fld>
             <a:endParaRPr lang="ko-KR" altLang="en-US"/>
           </a:p>
@@ -684,7 +684,7 @@
           <a:p>
             <a:fld id="{6A770E6A-2F4D-474F-8C1A-8D8D5AED6197}" type="datetimeFigureOut">
               <a:rPr lang="ko-KR" altLang="en-US" smtClean="0"/>
-              <a:t>2025-11-26</a:t>
+              <a:t>2025-12-01</a:t>
             </a:fld>
             <a:endParaRPr lang="ko-KR" altLang="en-US"/>
           </a:p>
@@ -882,7 +882,7 @@
           <a:p>
             <a:fld id="{6A770E6A-2F4D-474F-8C1A-8D8D5AED6197}" type="datetimeFigureOut">
               <a:rPr lang="ko-KR" altLang="en-US" smtClean="0"/>
-              <a:t>2025-11-26</a:t>
+              <a:t>2025-12-01</a:t>
             </a:fld>
             <a:endParaRPr lang="ko-KR" altLang="en-US"/>
           </a:p>
@@ -1265,7 +1265,7 @@
           <a:p>
             <a:fld id="{6A770E6A-2F4D-474F-8C1A-8D8D5AED6197}" type="datetimeFigureOut">
               <a:rPr lang="ko-KR" altLang="en-US" smtClean="0"/>
-              <a:t>2025-11-26</a:t>
+              <a:t>2025-12-01</a:t>
             </a:fld>
             <a:endParaRPr lang="ko-KR" altLang="en-US"/>
           </a:p>
@@ -1530,7 +1530,7 @@
           <a:p>
             <a:fld id="{6A770E6A-2F4D-474F-8C1A-8D8D5AED6197}" type="datetimeFigureOut">
               <a:rPr lang="ko-KR" altLang="en-US" smtClean="0"/>
-              <a:t>2025-11-26</a:t>
+              <a:t>2025-12-01</a:t>
             </a:fld>
             <a:endParaRPr lang="ko-KR" altLang="en-US"/>
           </a:p>
@@ -1942,7 +1942,7 @@
           <a:p>
             <a:fld id="{6A770E6A-2F4D-474F-8C1A-8D8D5AED6197}" type="datetimeFigureOut">
               <a:rPr lang="ko-KR" altLang="en-US" smtClean="0"/>
-              <a:t>2025-11-26</a:t>
+              <a:t>2025-12-01</a:t>
             </a:fld>
             <a:endParaRPr lang="ko-KR" altLang="en-US"/>
           </a:p>
@@ -2083,7 +2083,7 @@
           <a:p>
             <a:fld id="{6A770E6A-2F4D-474F-8C1A-8D8D5AED6197}" type="datetimeFigureOut">
               <a:rPr lang="ko-KR" altLang="en-US" smtClean="0"/>
-              <a:t>2025-11-26</a:t>
+              <a:t>2025-12-01</a:t>
             </a:fld>
             <a:endParaRPr lang="ko-KR" altLang="en-US"/>
           </a:p>
@@ -2196,7 +2196,7 @@
           <a:p>
             <a:fld id="{6A770E6A-2F4D-474F-8C1A-8D8D5AED6197}" type="datetimeFigureOut">
               <a:rPr lang="ko-KR" altLang="en-US" smtClean="0"/>
-              <a:t>2025-11-26</a:t>
+              <a:t>2025-12-01</a:t>
             </a:fld>
             <a:endParaRPr lang="ko-KR" altLang="en-US"/>
           </a:p>
@@ -2507,7 +2507,7 @@
           <a:p>
             <a:fld id="{6A770E6A-2F4D-474F-8C1A-8D8D5AED6197}" type="datetimeFigureOut">
               <a:rPr lang="ko-KR" altLang="en-US" smtClean="0"/>
-              <a:t>2025-11-26</a:t>
+              <a:t>2025-12-01</a:t>
             </a:fld>
             <a:endParaRPr lang="ko-KR" altLang="en-US"/>
           </a:p>
@@ -2795,7 +2795,7 @@
           <a:p>
             <a:fld id="{6A770E6A-2F4D-474F-8C1A-8D8D5AED6197}" type="datetimeFigureOut">
               <a:rPr lang="ko-KR" altLang="en-US" smtClean="0"/>
-              <a:t>2025-11-26</a:t>
+              <a:t>2025-12-01</a:t>
             </a:fld>
             <a:endParaRPr lang="ko-KR" altLang="en-US"/>
           </a:p>
@@ -3036,7 +3036,7 @@
           <a:p>
             <a:fld id="{6A770E6A-2F4D-474F-8C1A-8D8D5AED6197}" type="datetimeFigureOut">
               <a:rPr lang="ko-KR" altLang="en-US" smtClean="0"/>
-              <a:t>2025-11-26</a:t>
+              <a:t>2025-12-01</a:t>
             </a:fld>
             <a:endParaRPr lang="ko-KR" altLang="en-US"/>
           </a:p>
@@ -4565,7 +4565,7 @@
         </p:nvSpPr>
         <p:spPr>
           <a:xfrm>
-            <a:off x="6007510" y="2893494"/>
+            <a:off x="6096000" y="2893494"/>
             <a:ext cx="5257800" cy="1862048"/>
           </a:xfrm>
         </p:spPr>
@@ -4665,10 +4665,10 @@
       </p:sp>
       <p:pic>
         <p:nvPicPr>
-          <p:cNvPr id="8" name="그림 7" descr="텍스트, 스크린샷, 폰트이(가) 표시된 사진&#10;&#10;AI 생성 콘텐츠는 정확하지 않을 수 있습니다.">
-            <a:extLst>
-              <a:ext uri="{FF2B5EF4-FFF2-40B4-BE49-F238E27FC236}">
-                <a16:creationId xmlns:a16="http://schemas.microsoft.com/office/drawing/2014/main" id="{D735229B-9430-E347-FC2C-051C45A56C78}"/>
+          <p:cNvPr id="4" name="그림 3">
+            <a:extLst>
+              <a:ext uri="{FF2B5EF4-FFF2-40B4-BE49-F238E27FC236}">
+                <a16:creationId xmlns:a16="http://schemas.microsoft.com/office/drawing/2014/main" id="{6BDAA8A6-7D98-48EA-A609-A1F53D021A66}"/>
               </a:ext>
             </a:extLst>
           </p:cNvPr>
@@ -4678,21 +4678,15 @@
           <p:nvPr/>
         </p:nvPicPr>
         <p:blipFill>
-          <a:blip r:embed="rId2">
-            <a:extLst>
-              <a:ext uri="{28A0092B-C50C-407E-A947-70E740481C1C}">
-                <a14:useLocalDpi xmlns:a14="http://schemas.microsoft.com/office/drawing/2010/main" val="0"/>
-              </a:ext>
-            </a:extLst>
-          </a:blip>
+          <a:blip r:embed="rId2"/>
           <a:stretch>
             <a:fillRect/>
           </a:stretch>
         </p:blipFill>
         <p:spPr>
           <a:xfrm>
-            <a:off x="838200" y="1784187"/>
-            <a:ext cx="4893235" cy="4454286"/>
+            <a:off x="838200" y="1904962"/>
+            <a:ext cx="5029902" cy="3839111"/>
           </a:xfrm>
           <a:prstGeom prst="rect">
             <a:avLst/>
@@ -4786,10 +4780,10 @@
       </p:sp>
       <p:pic>
         <p:nvPicPr>
-          <p:cNvPr id="11266" name="Picture 2">
-            <a:extLst>
-              <a:ext uri="{FF2B5EF4-FFF2-40B4-BE49-F238E27FC236}">
-                <a16:creationId xmlns:a16="http://schemas.microsoft.com/office/drawing/2014/main" id="{E8C2E0C1-3C6C-BAF5-1EFE-7DC4AEEBD0E2}"/>
+          <p:cNvPr id="1026" name="Picture 2">
+            <a:extLst>
+              <a:ext uri="{FF2B5EF4-FFF2-40B4-BE49-F238E27FC236}">
+                <a16:creationId xmlns:a16="http://schemas.microsoft.com/office/drawing/2014/main" id="{BC64FF51-641E-404F-B2D4-2B5B88A3E838}"/>
               </a:ext>
             </a:extLst>
           </p:cNvPr>
@@ -4813,8 +4807,8 @@
         </p:blipFill>
         <p:spPr bwMode="auto">
           <a:xfrm>
-            <a:off x="1014182" y="1690688"/>
-            <a:ext cx="10163636" cy="4660673"/>
+            <a:off x="1275139" y="1977844"/>
+            <a:ext cx="9641721" cy="4421342"/>
           </a:xfrm>
           <a:prstGeom prst="rect">
             <a:avLst/>
@@ -4915,10 +4909,10 @@
       </p:sp>
       <p:pic>
         <p:nvPicPr>
-          <p:cNvPr id="4" name="그림 3" descr="텍스트, 스크린샷, 폰트이(가) 표시된 사진&#10;&#10;AI 생성 콘텐츠는 정확하지 않을 수 있습니다.">
-            <a:extLst>
-              <a:ext uri="{FF2B5EF4-FFF2-40B4-BE49-F238E27FC236}">
-                <a16:creationId xmlns:a16="http://schemas.microsoft.com/office/drawing/2014/main" id="{08C68140-5038-D3F8-B3FF-512BFACF1375}"/>
+          <p:cNvPr id="3" name="그림 2">
+            <a:extLst>
+              <a:ext uri="{FF2B5EF4-FFF2-40B4-BE49-F238E27FC236}">
+                <a16:creationId xmlns:a16="http://schemas.microsoft.com/office/drawing/2014/main" id="{3D14DE06-482F-4BFD-9B5D-6C04B0F71582}"/>
               </a:ext>
             </a:extLst>
           </p:cNvPr>
@@ -4927,22 +4921,15 @@
           </p:cNvPicPr>
           <p:nvPr/>
         </p:nvPicPr>
-        <p:blipFill>
-          <a:blip r:embed="rId2">
-            <a:extLst>
-              <a:ext uri="{28A0092B-C50C-407E-A947-70E740481C1C}">
-                <a14:useLocalDpi xmlns:a14="http://schemas.microsoft.com/office/drawing/2010/main" val="0"/>
-              </a:ext>
-            </a:extLst>
-          </a:blip>
-          <a:stretch>
-            <a:fillRect/>
-          </a:stretch>
+        <p:blipFill rotWithShape="1">
+          <a:blip r:embed="rId2"/>
+          <a:srcRect b="50000"/>
+          <a:stretch/>
         </p:blipFill>
         <p:spPr>
           <a:xfrm>
-            <a:off x="1070333" y="1487795"/>
-            <a:ext cx="4789693" cy="5109650"/>
+            <a:off x="658319" y="1846373"/>
+            <a:ext cx="5364060" cy="4541571"/>
           </a:xfrm>
           <a:prstGeom prst="rect">
             <a:avLst/>
@@ -4951,10 +4938,10 @@
       </p:pic>
       <p:pic>
         <p:nvPicPr>
-          <p:cNvPr id="6" name="그림 5" descr="텍스트, 스크린샷, 폰트이(가) 표시된 사진&#10;&#10;AI 생성 콘텐츠는 정확하지 않을 수 있습니다.">
-            <a:extLst>
-              <a:ext uri="{FF2B5EF4-FFF2-40B4-BE49-F238E27FC236}">
-                <a16:creationId xmlns:a16="http://schemas.microsoft.com/office/drawing/2014/main" id="{5A70D3B0-8833-4E10-DB2A-423BCFF58884}"/>
+          <p:cNvPr id="7" name="그림 6">
+            <a:extLst>
+              <a:ext uri="{FF2B5EF4-FFF2-40B4-BE49-F238E27FC236}">
+                <a16:creationId xmlns:a16="http://schemas.microsoft.com/office/drawing/2014/main" id="{02D61C1D-8277-4FAB-AC4E-EE1BAB1AF9B1}"/>
               </a:ext>
             </a:extLst>
           </p:cNvPr>
@@ -4963,22 +4950,15 @@
           </p:cNvPicPr>
           <p:nvPr/>
         </p:nvPicPr>
-        <p:blipFill>
-          <a:blip r:embed="rId3">
-            <a:extLst>
-              <a:ext uri="{28A0092B-C50C-407E-A947-70E740481C1C}">
-                <a14:useLocalDpi xmlns:a14="http://schemas.microsoft.com/office/drawing/2010/main" val="0"/>
-              </a:ext>
-            </a:extLst>
-          </a:blip>
-          <a:stretch>
-            <a:fillRect/>
-          </a:stretch>
+        <p:blipFill rotWithShape="1">
+          <a:blip r:embed="rId2"/>
+          <a:srcRect t="50000"/>
+          <a:stretch/>
         </p:blipFill>
         <p:spPr>
           <a:xfrm>
-            <a:off x="6096000" y="2022626"/>
-            <a:ext cx="5141734" cy="3935418"/>
+            <a:off x="6183684" y="1846373"/>
+            <a:ext cx="5364060" cy="4541571"/>
           </a:xfrm>
           <a:prstGeom prst="rect">
             <a:avLst/>
@@ -5015,12 +4995,66 @@
           <a:chExt cx="0" cy="0"/>
         </a:xfrm>
       </p:grpSpPr>
+      <p:sp>
+        <p:nvSpPr>
+          <p:cNvPr id="6" name="제목 1">
+            <a:extLst>
+              <a:ext uri="{FF2B5EF4-FFF2-40B4-BE49-F238E27FC236}">
+                <a16:creationId xmlns:a16="http://schemas.microsoft.com/office/drawing/2014/main" id="{367DDC01-67B8-87FC-D38E-D7A5C63B2AA7}"/>
+              </a:ext>
+            </a:extLst>
+          </p:cNvPr>
+          <p:cNvSpPr>
+            <a:spLocks noGrp="1"/>
+          </p:cNvSpPr>
+          <p:nvPr>
+            <p:ph type="title"/>
+          </p:nvPr>
+        </p:nvSpPr>
+        <p:spPr>
+          <a:xfrm>
+            <a:off x="838200" y="365125"/>
+            <a:ext cx="10515600" cy="1325563"/>
+          </a:xfrm>
+        </p:spPr>
+        <p:txBody>
+          <a:bodyPr/>
+          <a:lstStyle/>
+          <a:p>
+            <a:r>
+              <a:rPr lang="ko-KR" altLang="en-US" b="1" dirty="0" err="1"/>
+              <a:t>머신러닝</a:t>
+            </a:r>
+            <a:r>
+              <a:rPr lang="en-US" altLang="ko-KR" b="1" dirty="0"/>
+              <a:t>(</a:t>
+            </a:r>
+            <a:r>
+              <a:rPr lang="ko-KR" altLang="en-US" b="1" dirty="0"/>
+              <a:t>인천</a:t>
+            </a:r>
+            <a:r>
+              <a:rPr lang="en-US" altLang="ko-KR" b="1" dirty="0"/>
+              <a:t>_</a:t>
+            </a:r>
+            <a:r>
+              <a:rPr lang="ko-KR" altLang="en-US" b="1" dirty="0"/>
+              <a:t>결과</a:t>
+            </a:r>
+            <a:r>
+              <a:rPr lang="en-US" altLang="ko-KR" b="1" dirty="0"/>
+              <a:t>)</a:t>
+            </a:r>
+            <a:endParaRPr lang="ko-KR" altLang="en-US" b="1" dirty="0"/>
+          </a:p>
+        </p:txBody>
+      </p:sp>
       <p:pic>
         <p:nvPicPr>
-          <p:cNvPr id="5" name="그림 4" descr="텍스트, 폰트, 스크린샷이(가) 표시된 사진&#10;&#10;AI 생성 콘텐츠는 정확하지 않을 수 있습니다.">
-            <a:extLst>
-              <a:ext uri="{FF2B5EF4-FFF2-40B4-BE49-F238E27FC236}">
-                <a16:creationId xmlns:a16="http://schemas.microsoft.com/office/drawing/2014/main" id="{81DEB5D6-9E4D-E0AD-A542-02F3E86B5AAC}"/>
+          <p:cNvPr id="2" name="그림 1">
+            <a:extLst>
+              <a:ext uri="{FF2B5EF4-FFF2-40B4-BE49-F238E27FC236}">
+                <a16:creationId xmlns:a16="http://schemas.microsoft.com/office/drawing/2014/main" id="{831A45C2-EFE9-420A-8E68-63CCE762C91A}"/>
               </a:ext>
             </a:extLst>
           </p:cNvPr>
@@ -5030,21 +5064,15 @@
           <p:nvPr/>
         </p:nvPicPr>
         <p:blipFill>
-          <a:blip r:embed="rId2">
-            <a:extLst>
-              <a:ext uri="{28A0092B-C50C-407E-A947-70E740481C1C}">
-                <a14:useLocalDpi xmlns:a14="http://schemas.microsoft.com/office/drawing/2010/main" val="0"/>
-              </a:ext>
-            </a:extLst>
-          </a:blip>
+          <a:blip r:embed="rId2"/>
           <a:stretch>
             <a:fillRect/>
           </a:stretch>
         </p:blipFill>
         <p:spPr>
           <a:xfrm>
-            <a:off x="838200" y="2750114"/>
-            <a:ext cx="3492362" cy="1888573"/>
+            <a:off x="1020370" y="3029036"/>
+            <a:ext cx="3371747" cy="1814240"/>
           </a:xfrm>
           <a:prstGeom prst="rect">
             <a:avLst/>
@@ -5056,66 +5084,12 @@
           </a:ln>
         </p:spPr>
       </p:pic>
-      <p:sp>
-        <p:nvSpPr>
-          <p:cNvPr id="6" name="제목 1">
-            <a:extLst>
-              <a:ext uri="{FF2B5EF4-FFF2-40B4-BE49-F238E27FC236}">
-                <a16:creationId xmlns:a16="http://schemas.microsoft.com/office/drawing/2014/main" id="{367DDC01-67B8-87FC-D38E-D7A5C63B2AA7}"/>
-              </a:ext>
-            </a:extLst>
-          </p:cNvPr>
-          <p:cNvSpPr>
-            <a:spLocks noGrp="1"/>
-          </p:cNvSpPr>
-          <p:nvPr>
-            <p:ph type="title"/>
-          </p:nvPr>
-        </p:nvSpPr>
-        <p:spPr>
-          <a:xfrm>
-            <a:off x="838200" y="365125"/>
-            <a:ext cx="10515600" cy="1325563"/>
-          </a:xfrm>
-        </p:spPr>
-        <p:txBody>
-          <a:bodyPr/>
-          <a:lstStyle/>
-          <a:p>
-            <a:r>
-              <a:rPr lang="ko-KR" altLang="en-US" b="1" dirty="0" err="1"/>
-              <a:t>머신러닝</a:t>
-            </a:r>
-            <a:r>
-              <a:rPr lang="en-US" altLang="ko-KR" b="1" dirty="0"/>
-              <a:t>(</a:t>
-            </a:r>
-            <a:r>
-              <a:rPr lang="ko-KR" altLang="en-US" b="1" dirty="0"/>
-              <a:t>인천</a:t>
-            </a:r>
-            <a:r>
-              <a:rPr lang="en-US" altLang="ko-KR" b="1" dirty="0"/>
-              <a:t>_</a:t>
-            </a:r>
-            <a:r>
-              <a:rPr lang="ko-KR" altLang="en-US" b="1" dirty="0"/>
-              <a:t>결과</a:t>
-            </a:r>
-            <a:r>
-              <a:rPr lang="en-US" altLang="ko-KR" b="1" dirty="0"/>
-              <a:t>)</a:t>
-            </a:r>
-            <a:endParaRPr lang="ko-KR" altLang="en-US" b="1" dirty="0"/>
-          </a:p>
-        </p:txBody>
-      </p:sp>
       <p:pic>
         <p:nvPicPr>
-          <p:cNvPr id="17410" name="Picture 2">
-            <a:extLst>
-              <a:ext uri="{FF2B5EF4-FFF2-40B4-BE49-F238E27FC236}">
-                <a16:creationId xmlns:a16="http://schemas.microsoft.com/office/drawing/2014/main" id="{34BC086F-E56D-F9EE-7071-8E7467B2C434}"/>
+          <p:cNvPr id="2050" name="Picture 2">
+            <a:extLst>
+              <a:ext uri="{FF2B5EF4-FFF2-40B4-BE49-F238E27FC236}">
+                <a16:creationId xmlns:a16="http://schemas.microsoft.com/office/drawing/2014/main" id="{52B85A10-2CC9-4D28-A2C4-2E8C5784D8C3}"/>
               </a:ext>
             </a:extLst>
           </p:cNvPr>
@@ -5139,8 +5113,8 @@
         </p:blipFill>
         <p:spPr bwMode="auto">
           <a:xfrm>
-            <a:off x="4514979" y="1678398"/>
-            <a:ext cx="6838821" cy="4444469"/>
+            <a:off x="4597765" y="1909522"/>
+            <a:ext cx="6711065" cy="4361442"/>
           </a:xfrm>
           <a:prstGeom prst="rect">
             <a:avLst/>
@@ -5472,7 +5446,19 @@
               <a:rPr lang="ko-KR" altLang="en-US" sz="2200" b="1" dirty="0">
                 <a:latin typeface="+mn-ea"/>
               </a:rPr>
-              <a:t>방지 시스템 등이 잘 마련되고 있으니 그렇게 틀린 내용도 아닌 듯하다</a:t>
+              <a:t>방지 시스템 등이 잘 마련되고 있으니 그렇게 틀린 내용도 아니라는</a:t>
+            </a:r>
+            <a:r>
+              <a:rPr lang="en-US" altLang="ko-KR" sz="2200" b="1" dirty="0">
+                <a:latin typeface="+mn-ea"/>
+              </a:rPr>
+              <a:t> </a:t>
+            </a:r>
+            <a:r>
+              <a:rPr lang="ko-KR" altLang="en-US" sz="2200" b="1" dirty="0">
+                <a:latin typeface="+mn-ea"/>
+              </a:rPr>
+              <a:t>생각이 든다</a:t>
             </a:r>
             <a:r>
               <a:rPr lang="en-US" altLang="ko-KR" sz="2200" b="1" dirty="0">
@@ -8522,21 +8508,6 @@
 </file>
 
 <file path=customXml/item1.xml><?xml version="1.0" encoding="utf-8"?>
-<p:properties xmlns:p="http://schemas.microsoft.com/office/2006/metadata/properties" xmlns:xsi="http://www.w3.org/2001/XMLSchema-instance" xmlns:pc="http://schemas.microsoft.com/office/infopath/2007/PartnerControls">
-  <documentManagement/>
-</p:properties>
-</file>
-
-<file path=customXml/item2.xml><?xml version="1.0" encoding="utf-8"?>
-<?mso-contentType ?>
-<FormTemplates xmlns="http://schemas.microsoft.com/sharepoint/v3/contenttype/forms">
-  <Display>DocumentLibraryForm</Display>
-  <Edit>DocumentLibraryForm</Edit>
-  <New>DocumentLibraryForm</New>
-</FormTemplates>
-</file>
-
-<file path=customXml/item3.xml><?xml version="1.0" encoding="utf-8"?>
 <ct:contentTypeSchema xmlns:ct="http://schemas.microsoft.com/office/2006/metadata/contentType" xmlns:ma="http://schemas.microsoft.com/office/2006/metadata/properties/metaAttributes" ct:_="" ma:_="" ma:contentTypeName="문서" ma:contentTypeID="0x01010066D532C7DD30944F8CCAEEDA63AD626C" ma:contentTypeVersion="5" ma:contentTypeDescription="새 문서를 만듭니다." ma:contentTypeScope="" ma:versionID="1f10d3cde8a6ff8d064f43218eea0c1d">
   <xsd:schema xmlns:xsd="http://www.w3.org/2001/XMLSchema" xmlns:xs="http://www.w3.org/2001/XMLSchema" xmlns:p="http://schemas.microsoft.com/office/2006/metadata/properties" xmlns:ns3="13133be1-4c8f-4c83-bb28-03372e41784e" targetNamespace="http://schemas.microsoft.com/office/2006/metadata/properties" ma:root="true" ma:fieldsID="7cb228e73465844895073f49d2a67b87" ns3:_="">
     <xsd:import namespace="13133be1-4c8f-4c83-bb28-03372e41784e"/>
@@ -8686,31 +8657,22 @@
 </ct:contentTypeSchema>
 </file>
 
-<file path=customXml/itemProps1.xml><?xml version="1.0" encoding="utf-8"?>
-<ds:datastoreItem xmlns:ds="http://schemas.openxmlformats.org/officeDocument/2006/customXml" ds:itemID="{E4F90837-D0E2-4B54-B08D-91249A9C2249}">
-  <ds:schemaRefs>
-    <ds:schemaRef ds:uri="http://schemas.microsoft.com/office/infopath/2007/PartnerControls"/>
-    <ds:schemaRef ds:uri="http://schemas.openxmlformats.org/package/2006/metadata/core-properties"/>
-    <ds:schemaRef ds:uri="http://schemas.microsoft.com/office/2006/metadata/properties"/>
-    <ds:schemaRef ds:uri="13133be1-4c8f-4c83-bb28-03372e41784e"/>
-    <ds:schemaRef ds:uri="http://schemas.microsoft.com/office/2006/documentManagement/types"/>
-    <ds:schemaRef ds:uri="http://purl.org/dc/dcmitype/"/>
-    <ds:schemaRef ds:uri="http://purl.org/dc/terms/"/>
-    <ds:schemaRef ds:uri="http://purl.org/dc/elements/1.1/"/>
-    <ds:schemaRef ds:uri="http://www.w3.org/XML/1998/namespace"/>
-  </ds:schemaRefs>
-</ds:datastoreItem>
+<file path=customXml/item2.xml><?xml version="1.0" encoding="utf-8"?>
+<?mso-contentType ?>
+<FormTemplates xmlns="http://schemas.microsoft.com/sharepoint/v3/contenttype/forms">
+  <Display>DocumentLibraryForm</Display>
+  <Edit>DocumentLibraryForm</Edit>
+  <New>DocumentLibraryForm</New>
+</FormTemplates>
 </file>
 
-<file path=customXml/itemProps2.xml><?xml version="1.0" encoding="utf-8"?>
-<ds:datastoreItem xmlns:ds="http://schemas.openxmlformats.org/officeDocument/2006/customXml" ds:itemID="{67A57282-86C6-4631-96A9-D12E6BF620AC}">
-  <ds:schemaRefs>
-    <ds:schemaRef ds:uri="http://schemas.microsoft.com/sharepoint/v3/contenttype/forms"/>
-  </ds:schemaRefs>
-</ds:datastoreItem>
+<file path=customXml/item3.xml><?xml version="1.0" encoding="utf-8"?>
+<p:properties xmlns:p="http://schemas.microsoft.com/office/2006/metadata/properties" xmlns:xsi="http://www.w3.org/2001/XMLSchema-instance" xmlns:pc="http://schemas.microsoft.com/office/infopath/2007/PartnerControls">
+  <documentManagement/>
+</p:properties>
 </file>
 
-<file path=customXml/itemProps3.xml><?xml version="1.0" encoding="utf-8"?>
+<file path=customXml/itemProps1.xml><?xml version="1.0" encoding="utf-8"?>
 <ds:datastoreItem xmlns:ds="http://schemas.openxmlformats.org/officeDocument/2006/customXml" ds:itemID="{B949CC57-E11C-4F3C-ABED-50613830BE85}">
   <ds:schemaRefs>
     <ds:schemaRef ds:uri="http://schemas.microsoft.com/office/2006/metadata/contentType"/>
@@ -8726,4 +8688,28 @@
     <ds:schemaRef ds:uri="http://schemas.microsoft.com/internal/obd"/>
   </ds:schemaRefs>
 </ds:datastoreItem>
+</file>
+
+<file path=customXml/itemProps2.xml><?xml version="1.0" encoding="utf-8"?>
+<ds:datastoreItem xmlns:ds="http://schemas.openxmlformats.org/officeDocument/2006/customXml" ds:itemID="{67A57282-86C6-4631-96A9-D12E6BF620AC}">
+  <ds:schemaRefs>
+    <ds:schemaRef ds:uri="http://schemas.microsoft.com/sharepoint/v3/contenttype/forms"/>
+  </ds:schemaRefs>
+</ds:datastoreItem>
+</file>
+
+<file path=customXml/itemProps3.xml><?xml version="1.0" encoding="utf-8"?>
+<ds:datastoreItem xmlns:ds="http://schemas.openxmlformats.org/officeDocument/2006/customXml" ds:itemID="{E4F90837-D0E2-4B54-B08D-91249A9C2249}">
+  <ds:schemaRefs>
+    <ds:schemaRef ds:uri="http://schemas.microsoft.com/office/infopath/2007/PartnerControls"/>
+    <ds:schemaRef ds:uri="http://schemas.openxmlformats.org/package/2006/metadata/core-properties"/>
+    <ds:schemaRef ds:uri="http://schemas.microsoft.com/office/2006/metadata/properties"/>
+    <ds:schemaRef ds:uri="13133be1-4c8f-4c83-bb28-03372e41784e"/>
+    <ds:schemaRef ds:uri="http://schemas.microsoft.com/office/2006/documentManagement/types"/>
+    <ds:schemaRef ds:uri="http://purl.org/dc/dcmitype/"/>
+    <ds:schemaRef ds:uri="http://purl.org/dc/terms/"/>
+    <ds:schemaRef ds:uri="http://purl.org/dc/elements/1.1/"/>
+    <ds:schemaRef ds:uri="http://www.w3.org/XML/1998/namespace"/>
+  </ds:schemaRefs>
+</ds:datastoreItem>
 </file>
--- a/202144022(KSS_Big_Data).pptx
+++ b/202144022(KSS_Big_Data).pptx
@@ -278,7 +278,7 @@
           <a:p>
             <a:fld id="{6A770E6A-2F4D-474F-8C1A-8D8D5AED6197}" type="datetimeFigureOut">
               <a:rPr lang="ko-KR" altLang="en-US" smtClean="0"/>
-              <a:t>2025-12-01</a:t>
+              <a:t>2025-12-04</a:t>
             </a:fld>
             <a:endParaRPr lang="ko-KR" altLang="en-US"/>
           </a:p>
@@ -476,7 +476,7 @@
           <a:p>
             <a:fld id="{6A770E6A-2F4D-474F-8C1A-8D8D5AED6197}" type="datetimeFigureOut">
               <a:rPr lang="ko-KR" altLang="en-US" smtClean="0"/>
-              <a:t>2025-12-01</a:t>
+              <a:t>2025-12-04</a:t>
             </a:fld>
             <a:endParaRPr lang="ko-KR" altLang="en-US"/>
           </a:p>
@@ -684,7 +684,7 @@
           <a:p>
             <a:fld id="{6A770E6A-2F4D-474F-8C1A-8D8D5AED6197}" type="datetimeFigureOut">
               <a:rPr lang="ko-KR" altLang="en-US" smtClean="0"/>
-              <a:t>2025-12-01</a:t>
+              <a:t>2025-12-04</a:t>
             </a:fld>
             <a:endParaRPr lang="ko-KR" altLang="en-US"/>
           </a:p>
@@ -882,7 +882,7 @@
           <a:p>
             <a:fld id="{6A770E6A-2F4D-474F-8C1A-8D8D5AED6197}" type="datetimeFigureOut">
               <a:rPr lang="ko-KR" altLang="en-US" smtClean="0"/>
-              <a:t>2025-12-01</a:t>
+              <a:t>2025-12-04</a:t>
             </a:fld>
             <a:endParaRPr lang="ko-KR" altLang="en-US"/>
           </a:p>
@@ -1265,7 +1265,7 @@
           <a:p>
             <a:fld id="{6A770E6A-2F4D-474F-8C1A-8D8D5AED6197}" type="datetimeFigureOut">
               <a:rPr lang="ko-KR" altLang="en-US" smtClean="0"/>
-              <a:t>2025-12-01</a:t>
+              <a:t>2025-12-04</a:t>
             </a:fld>
             <a:endParaRPr lang="ko-KR" altLang="en-US"/>
           </a:p>
@@ -1530,7 +1530,7 @@
           <a:p>
             <a:fld id="{6A770E6A-2F4D-474F-8C1A-8D8D5AED6197}" type="datetimeFigureOut">
               <a:rPr lang="ko-KR" altLang="en-US" smtClean="0"/>
-              <a:t>2025-12-01</a:t>
+              <a:t>2025-12-04</a:t>
             </a:fld>
             <a:endParaRPr lang="ko-KR" altLang="en-US"/>
           </a:p>
@@ -1942,7 +1942,7 @@
           <a:p>
             <a:fld id="{6A770E6A-2F4D-474F-8C1A-8D8D5AED6197}" type="datetimeFigureOut">
               <a:rPr lang="ko-KR" altLang="en-US" smtClean="0"/>
-              <a:t>2025-12-01</a:t>
+              <a:t>2025-12-04</a:t>
             </a:fld>
             <a:endParaRPr lang="ko-KR" altLang="en-US"/>
           </a:p>
@@ -2083,7 +2083,7 @@
           <a:p>
             <a:fld id="{6A770E6A-2F4D-474F-8C1A-8D8D5AED6197}" type="datetimeFigureOut">
               <a:rPr lang="ko-KR" altLang="en-US" smtClean="0"/>
-              <a:t>2025-12-01</a:t>
+              <a:t>2025-12-04</a:t>
             </a:fld>
             <a:endParaRPr lang="ko-KR" altLang="en-US"/>
           </a:p>
@@ -2196,7 +2196,7 @@
           <a:p>
             <a:fld id="{6A770E6A-2F4D-474F-8C1A-8D8D5AED6197}" type="datetimeFigureOut">
               <a:rPr lang="ko-KR" altLang="en-US" smtClean="0"/>
-              <a:t>2025-12-01</a:t>
+              <a:t>2025-12-04</a:t>
             </a:fld>
             <a:endParaRPr lang="ko-KR" altLang="en-US"/>
           </a:p>
@@ -2507,7 +2507,7 @@
           <a:p>
             <a:fld id="{6A770E6A-2F4D-474F-8C1A-8D8D5AED6197}" type="datetimeFigureOut">
               <a:rPr lang="ko-KR" altLang="en-US" smtClean="0"/>
-              <a:t>2025-12-01</a:t>
+              <a:t>2025-12-04</a:t>
             </a:fld>
             <a:endParaRPr lang="ko-KR" altLang="en-US"/>
           </a:p>
@@ -2795,7 +2795,7 @@
           <a:p>
             <a:fld id="{6A770E6A-2F4D-474F-8C1A-8D8D5AED6197}" type="datetimeFigureOut">
               <a:rPr lang="ko-KR" altLang="en-US" smtClean="0"/>
-              <a:t>2025-12-01</a:t>
+              <a:t>2025-12-04</a:t>
             </a:fld>
             <a:endParaRPr lang="ko-KR" altLang="en-US"/>
           </a:p>
@@ -3036,7 +3036,7 @@
           <a:p>
             <a:fld id="{6A770E6A-2F4D-474F-8C1A-8D8D5AED6197}" type="datetimeFigureOut">
               <a:rPr lang="ko-KR" altLang="en-US" smtClean="0"/>
-              <a:t>2025-12-01</a:t>
+              <a:t>2025-12-04</a:t>
             </a:fld>
             <a:endParaRPr lang="ko-KR" altLang="en-US"/>
           </a:p>
@@ -5826,6 +5826,47 @@
                 <a:ea typeface="HY헤드라인M" panose="02030600000101010101" pitchFamily="18" charset="-127"/>
               </a:rPr>
               <a:t>감사합니다</a:t>
+            </a:r>
+          </a:p>
+        </p:txBody>
+      </p:sp>
+      <p:sp>
+        <p:nvSpPr>
+          <p:cNvPr id="5" name="TextBox 4">
+            <a:hlinkClick r:id="rId2"/>
+            <a:extLst>
+              <a:ext uri="{FF2B5EF4-FFF2-40B4-BE49-F238E27FC236}">
+                <a16:creationId xmlns:a16="http://schemas.microsoft.com/office/drawing/2014/main" id="{227FFB38-073C-60AD-86B4-B864075416B2}"/>
+              </a:ext>
+            </a:extLst>
+          </p:cNvPr>
+          <p:cNvSpPr txBox="1"/>
+          <p:nvPr/>
+        </p:nvSpPr>
+        <p:spPr>
+          <a:xfrm>
+            <a:off x="3048866" y="4216724"/>
+            <a:ext cx="6094268" cy="369332"/>
+          </a:xfrm>
+          <a:prstGeom prst="rect">
+            <a:avLst/>
+          </a:prstGeom>
+          <a:noFill/>
+        </p:spPr>
+        <p:txBody>
+          <a:bodyPr wrap="square">
+            <a:spAutoFit/>
+          </a:bodyPr>
+          <a:lstStyle/>
+          <a:p>
+            <a:pPr algn="ctr"/>
+            <a:r>
+              <a:rPr lang="ko-KR" altLang="en-US" u="sng" dirty="0">
+                <a:solidFill>
+                  <a:schemeClr val="accent5"/>
+                </a:solidFill>
+              </a:rPr>
+              <a:t>https://github.com/oneiric577/BigData-Project_2025</a:t>
             </a:r>
           </a:p>
         </p:txBody>
@@ -8508,6 +8549,21 @@
 </file>
 
 <file path=customXml/item1.xml><?xml version="1.0" encoding="utf-8"?>
+<p:properties xmlns:p="http://schemas.microsoft.com/office/2006/metadata/properties" xmlns:xsi="http://www.w3.org/2001/XMLSchema-instance" xmlns:pc="http://schemas.microsoft.com/office/infopath/2007/PartnerControls">
+  <documentManagement/>
+</p:properties>
+</file>
+
+<file path=customXml/item2.xml><?xml version="1.0" encoding="utf-8"?>
+<?mso-contentType ?>
+<FormTemplates xmlns="http://schemas.microsoft.com/sharepoint/v3/contenttype/forms">
+  <Display>DocumentLibraryForm</Display>
+  <Edit>DocumentLibraryForm</Edit>
+  <New>DocumentLibraryForm</New>
+</FormTemplates>
+</file>
+
+<file path=customXml/item3.xml><?xml version="1.0" encoding="utf-8"?>
 <ct:contentTypeSchema xmlns:ct="http://schemas.microsoft.com/office/2006/metadata/contentType" xmlns:ma="http://schemas.microsoft.com/office/2006/metadata/properties/metaAttributes" ct:_="" ma:_="" ma:contentTypeName="문서" ma:contentTypeID="0x01010066D532C7DD30944F8CCAEEDA63AD626C" ma:contentTypeVersion="5" ma:contentTypeDescription="새 문서를 만듭니다." ma:contentTypeScope="" ma:versionID="1f10d3cde8a6ff8d064f43218eea0c1d">
   <xsd:schema xmlns:xsd="http://www.w3.org/2001/XMLSchema" xmlns:xs="http://www.w3.org/2001/XMLSchema" xmlns:p="http://schemas.microsoft.com/office/2006/metadata/properties" xmlns:ns3="13133be1-4c8f-4c83-bb28-03372e41784e" targetNamespace="http://schemas.microsoft.com/office/2006/metadata/properties" ma:root="true" ma:fieldsID="7cb228e73465844895073f49d2a67b87" ns3:_="">
     <xsd:import namespace="13133be1-4c8f-4c83-bb28-03372e41784e"/>
@@ -8657,22 +8713,31 @@
 </ct:contentTypeSchema>
 </file>
 
-<file path=customXml/item2.xml><?xml version="1.0" encoding="utf-8"?>
-<?mso-contentType ?>
-<FormTemplates xmlns="http://schemas.microsoft.com/sharepoint/v3/contenttype/forms">
-  <Display>DocumentLibraryForm</Display>
-  <Edit>DocumentLibraryForm</Edit>
-  <New>DocumentLibraryForm</New>
-</FormTemplates>
+<file path=customXml/itemProps1.xml><?xml version="1.0" encoding="utf-8"?>
+<ds:datastoreItem xmlns:ds="http://schemas.openxmlformats.org/officeDocument/2006/customXml" ds:itemID="{E4F90837-D0E2-4B54-B08D-91249A9C2249}">
+  <ds:schemaRefs>
+    <ds:schemaRef ds:uri="http://schemas.microsoft.com/office/infopath/2007/PartnerControls"/>
+    <ds:schemaRef ds:uri="http://schemas.openxmlformats.org/package/2006/metadata/core-properties"/>
+    <ds:schemaRef ds:uri="http://schemas.microsoft.com/office/2006/metadata/properties"/>
+    <ds:schemaRef ds:uri="13133be1-4c8f-4c83-bb28-03372e41784e"/>
+    <ds:schemaRef ds:uri="http://schemas.microsoft.com/office/2006/documentManagement/types"/>
+    <ds:schemaRef ds:uri="http://purl.org/dc/dcmitype/"/>
+    <ds:schemaRef ds:uri="http://purl.org/dc/terms/"/>
+    <ds:schemaRef ds:uri="http://purl.org/dc/elements/1.1/"/>
+    <ds:schemaRef ds:uri="http://www.w3.org/XML/1998/namespace"/>
+  </ds:schemaRefs>
+</ds:datastoreItem>
 </file>
 
-<file path=customXml/item3.xml><?xml version="1.0" encoding="utf-8"?>
-<p:properties xmlns:p="http://schemas.microsoft.com/office/2006/metadata/properties" xmlns:xsi="http://www.w3.org/2001/XMLSchema-instance" xmlns:pc="http://schemas.microsoft.com/office/infopath/2007/PartnerControls">
-  <documentManagement/>
-</p:properties>
+<file path=customXml/itemProps2.xml><?xml version="1.0" encoding="utf-8"?>
+<ds:datastoreItem xmlns:ds="http://schemas.openxmlformats.org/officeDocument/2006/customXml" ds:itemID="{67A57282-86C6-4631-96A9-D12E6BF620AC}">
+  <ds:schemaRefs>
+    <ds:schemaRef ds:uri="http://schemas.microsoft.com/sharepoint/v3/contenttype/forms"/>
+  </ds:schemaRefs>
+</ds:datastoreItem>
 </file>
 
-<file path=customXml/itemProps1.xml><?xml version="1.0" encoding="utf-8"?>
+<file path=customXml/itemProps3.xml><?xml version="1.0" encoding="utf-8"?>
 <ds:datastoreItem xmlns:ds="http://schemas.openxmlformats.org/officeDocument/2006/customXml" ds:itemID="{B949CC57-E11C-4F3C-ABED-50613830BE85}">
   <ds:schemaRefs>
     <ds:schemaRef ds:uri="http://schemas.microsoft.com/office/2006/metadata/contentType"/>
@@ -8688,28 +8753,4 @@
     <ds:schemaRef ds:uri="http://schemas.microsoft.com/internal/obd"/>
   </ds:schemaRefs>
 </ds:datastoreItem>
-</file>
-
-<file path=customXml/itemProps2.xml><?xml version="1.0" encoding="utf-8"?>
-<ds:datastoreItem xmlns:ds="http://schemas.openxmlformats.org/officeDocument/2006/customXml" ds:itemID="{67A57282-86C6-4631-96A9-D12E6BF620AC}">
-  <ds:schemaRefs>
-    <ds:schemaRef ds:uri="http://schemas.microsoft.com/sharepoint/v3/contenttype/forms"/>
-  </ds:schemaRefs>
-</ds:datastoreItem>
-</file>
-
-<file path=customXml/itemProps3.xml><?xml version="1.0" encoding="utf-8"?>
-<ds:datastoreItem xmlns:ds="http://schemas.openxmlformats.org/officeDocument/2006/customXml" ds:itemID="{E4F90837-D0E2-4B54-B08D-91249A9C2249}">
-  <ds:schemaRefs>
-    <ds:schemaRef ds:uri="http://schemas.microsoft.com/office/infopath/2007/PartnerControls"/>
-    <ds:schemaRef ds:uri="http://schemas.openxmlformats.org/package/2006/metadata/core-properties"/>
-    <ds:schemaRef ds:uri="http://schemas.microsoft.com/office/2006/metadata/properties"/>
-    <ds:schemaRef ds:uri="13133be1-4c8f-4c83-bb28-03372e41784e"/>
-    <ds:schemaRef ds:uri="http://schemas.microsoft.com/office/2006/documentManagement/types"/>
-    <ds:schemaRef ds:uri="http://purl.org/dc/dcmitype/"/>
-    <ds:schemaRef ds:uri="http://purl.org/dc/terms/"/>
-    <ds:schemaRef ds:uri="http://purl.org/dc/elements/1.1/"/>
-    <ds:schemaRef ds:uri="http://www.w3.org/XML/1998/namespace"/>
-  </ds:schemaRefs>
-</ds:datastoreItem>
 </file>